--- a/rna_analysis/notebooks/scRNA-template.pptx
+++ b/rna_analysis/notebooks/scRNA-template.pptx
@@ -875,72 +875,6 @@
               <a:t>Click to add title</a:t>
             </a:r>
             <a:endParaRPr lang="en-GB"/>
-          </a:p>
-        </p:txBody>
-      </p:sp>
-      <p:sp>
-        <p:nvSpPr>
-          <p:cNvPr id="3" name="Textplatzhalter 2">
-            <a:extLst>
-              <a:ext uri="{FF2B5EF4-FFF2-40B4-BE49-F238E27FC236}">
-                <a16:creationId xmlns:a16="http://schemas.microsoft.com/office/drawing/2014/main" id="{96FB760E-671E-49E8-97A2-6E9801BB3808}"/>
-              </a:ext>
-            </a:extLst>
-          </p:cNvPr>
-          <p:cNvSpPr>
-            <a:spLocks noGrp="1"/>
-          </p:cNvSpPr>
-          <p:nvPr>
-            <p:ph type="body" sz="quarter" idx="13"/>
-          </p:nvPr>
-        </p:nvSpPr>
-        <p:spPr>
-          <a:xfrm>
-            <a:off x="766763" y="1268761"/>
-            <a:ext cx="10587037" cy="4897090"/>
-          </a:xfrm>
-          <a:prstGeom prst="rect">
-            <a:avLst/>
-          </a:prstGeom>
-        </p:spPr>
-        <p:txBody>
-          <a:bodyPr/>
-          <a:lstStyle/>
-          <a:p>
-            <a:pPr lvl="0"/>
-            <a:r>
-              <a:rPr lang="de-DE"/>
-              <a:t>Mastertextformat bearbeiten</a:t>
-            </a:r>
-          </a:p>
-          <a:p>
-            <a:pPr lvl="1"/>
-            <a:r>
-              <a:rPr lang="de-DE"/>
-              <a:t>Zweite Ebene</a:t>
-            </a:r>
-          </a:p>
-          <a:p>
-            <a:pPr lvl="2"/>
-            <a:r>
-              <a:rPr lang="de-DE"/>
-              <a:t>Dritte Ebene</a:t>
-            </a:r>
-          </a:p>
-          <a:p>
-            <a:pPr lvl="3"/>
-            <a:r>
-              <a:rPr lang="de-DE"/>
-              <a:t>Vierte Ebene</a:t>
-            </a:r>
-          </a:p>
-          <a:p>
-            <a:pPr lvl="4"/>
-            <a:r>
-              <a:rPr lang="de-DE"/>
-              <a:t>Fünfte Ebene</a:t>
-            </a:r>
-            <a:endParaRPr lang="en-US"/>
           </a:p>
         </p:txBody>
       </p:sp>
